--- a/nonPartagé/Nouveau Présentation Microsoft PowerPoint.pptx
+++ b/nonPartagé/Nouveau Présentation Microsoft PowerPoint.pptx
@@ -5,10 +5,11 @@
     <p:sldMasterId id="2147483648" r:id="rId1"/>
   </p:sldMasterIdLst>
   <p:notesMasterIdLst>
-    <p:notesMasterId r:id="rId3"/>
+    <p:notesMasterId r:id="rId4"/>
   </p:notesMasterIdLst>
   <p:sldIdLst>
     <p:sldId id="256" r:id="rId2"/>
+    <p:sldId id="257" r:id="rId3"/>
   </p:sldIdLst>
   <p:sldSz cx="12192000" cy="6858000"/>
   <p:notesSz cx="6858000" cy="9144000"/>
@@ -4132,8 +4133,8 @@
           </a:fontRef>
         </p:style>
       </p:cxnSp>
-      <mc:AlternateContent xmlns:mc="http://schemas.openxmlformats.org/markup-compatibility/2006">
-        <mc:Choice xmlns:a14="http://schemas.microsoft.com/office/drawing/2010/main" Requires="a14">
+      <mc:AlternateContent xmlns:mc="http://schemas.openxmlformats.org/markup-compatibility/2006" xmlns:a14="http://schemas.microsoft.com/office/drawing/2010/main">
+        <mc:Choice Requires="a14">
           <p:sp>
             <p:nvSpPr>
               <p:cNvPr id="36" name="ZoneTexte 35">
@@ -4162,6 +4163,7 @@
               </a:bodyPr>
               <a:lstStyle/>
               <a:p>
+                <a:pPr/>
                 <a14:m>
                   <m:oMathPara xmlns:m="http://schemas.openxmlformats.org/officeDocument/2006/math">
                     <m:oMathParaPr>
@@ -4214,7 +4216,7 @@
             </p:txBody>
           </p:sp>
         </mc:Choice>
-        <mc:Fallback>
+        <mc:Fallback xmlns="">
           <p:sp>
             <p:nvSpPr>
               <p:cNvPr id="36" name="ZoneTexte 35">
@@ -4259,8 +4261,8 @@
           </p:sp>
         </mc:Fallback>
       </mc:AlternateContent>
-      <mc:AlternateContent xmlns:mc="http://schemas.openxmlformats.org/markup-compatibility/2006">
-        <mc:Choice xmlns:a14="http://schemas.microsoft.com/office/drawing/2010/main" Requires="a14">
+      <mc:AlternateContent xmlns:mc="http://schemas.openxmlformats.org/markup-compatibility/2006" xmlns:a14="http://schemas.microsoft.com/office/drawing/2010/main">
+        <mc:Choice Requires="a14">
           <p:sp>
             <p:nvSpPr>
               <p:cNvPr id="37" name="ZoneTexte 36">
@@ -4289,6 +4291,7 @@
               </a:bodyPr>
               <a:lstStyle/>
               <a:p>
+                <a:pPr/>
                 <a14:m>
                   <m:oMathPara xmlns:m="http://schemas.openxmlformats.org/officeDocument/2006/math">
                     <m:oMathParaPr>
@@ -4341,7 +4344,7 @@
             </p:txBody>
           </p:sp>
         </mc:Choice>
-        <mc:Fallback>
+        <mc:Fallback xmlns="">
           <p:sp>
             <p:nvSpPr>
               <p:cNvPr id="37" name="ZoneTexte 36">
@@ -4438,8 +4441,8 @@
           </a:p>
         </p:txBody>
       </p:sp>
-      <mc:AlternateContent xmlns:mc="http://schemas.openxmlformats.org/markup-compatibility/2006">
-        <mc:Choice xmlns:a14="http://schemas.microsoft.com/office/drawing/2010/main" Requires="a14">
+      <mc:AlternateContent xmlns:mc="http://schemas.openxmlformats.org/markup-compatibility/2006" xmlns:a14="http://schemas.microsoft.com/office/drawing/2010/main">
+        <mc:Choice Requires="a14">
           <p:sp>
             <p:nvSpPr>
               <p:cNvPr id="39" name="ZoneTexte 38">
@@ -4468,6 +4471,7 @@
               </a:bodyPr>
               <a:lstStyle/>
               <a:p>
+                <a:pPr/>
                 <a14:m>
                   <m:oMathPara xmlns:m="http://schemas.openxmlformats.org/officeDocument/2006/math">
                     <m:oMathParaPr>
@@ -4495,7 +4499,7 @@
             </p:txBody>
           </p:sp>
         </mc:Choice>
-        <mc:Fallback>
+        <mc:Fallback xmlns="">
           <p:sp>
             <p:nvSpPr>
               <p:cNvPr id="39" name="ZoneTexte 38">
@@ -4625,6 +4629,234 @@
     <p:extLst>
       <p:ext uri="{BB962C8B-B14F-4D97-AF65-F5344CB8AC3E}">
         <p14:creationId xmlns:p14="http://schemas.microsoft.com/office/powerpoint/2010/main" val="4248346641"/>
+      </p:ext>
+    </p:extLst>
+  </p:cSld>
+  <p:clrMapOvr>
+    <a:masterClrMapping/>
+  </p:clrMapOvr>
+</p:sld>
+</file>
+
+<file path=ppt/slides/slide2.xml><?xml version="1.0" encoding="utf-8"?>
+<p:sld xmlns:a="http://schemas.openxmlformats.org/drawingml/2006/main" xmlns:r="http://schemas.openxmlformats.org/officeDocument/2006/relationships" xmlns:p="http://schemas.openxmlformats.org/presentationml/2006/main">
+  <p:cSld>
+    <p:spTree>
+      <p:nvGrpSpPr>
+        <p:cNvPr id="1" name=""/>
+        <p:cNvGrpSpPr/>
+        <p:nvPr/>
+      </p:nvGrpSpPr>
+      <p:grpSpPr>
+        <a:xfrm>
+          <a:off x="0" y="0"/>
+          <a:ext cx="0" cy="0"/>
+          <a:chOff x="0" y="0"/>
+          <a:chExt cx="0" cy="0"/>
+        </a:xfrm>
+      </p:grpSpPr>
+      <p:pic>
+        <p:nvPicPr>
+          <p:cNvPr id="3" name="Image 2">
+            <a:extLst>
+              <a:ext uri="{FF2B5EF4-FFF2-40B4-BE49-F238E27FC236}">
+                <a16:creationId xmlns:a16="http://schemas.microsoft.com/office/drawing/2014/main" id="{97FD8C91-5C10-B9B4-1D74-126B89D4FD0E}"/>
+              </a:ext>
+            </a:extLst>
+          </p:cNvPr>
+          <p:cNvPicPr>
+            <a:picLocks noChangeAspect="1"/>
+          </p:cNvPicPr>
+          <p:nvPr/>
+        </p:nvPicPr>
+        <p:blipFill>
+          <a:blip r:embed="rId2">
+            <a:extLst>
+              <a:ext uri="{28A0092B-C50C-407E-A947-70E740481C1C}">
+                <a14:useLocalDpi xmlns:a14="http://schemas.microsoft.com/office/drawing/2010/main" val="0"/>
+              </a:ext>
+            </a:extLst>
+          </a:blip>
+          <a:stretch>
+            <a:fillRect/>
+          </a:stretch>
+        </p:blipFill>
+        <p:spPr>
+          <a:xfrm flipH="1">
+            <a:off x="1342381" y="909654"/>
+            <a:ext cx="4472791" cy="3984168"/>
+          </a:xfrm>
+          <a:prstGeom prst="rect">
+            <a:avLst/>
+          </a:prstGeom>
+        </p:spPr>
+      </p:pic>
+      <mc:AlternateContent xmlns:mc="http://schemas.openxmlformats.org/markup-compatibility/2006">
+        <mc:Choice xmlns:a14="http://schemas.microsoft.com/office/drawing/2010/main" Requires="a14">
+          <p:sp>
+            <p:nvSpPr>
+              <p:cNvPr id="4" name="ZoneTexte 3">
+                <a:extLst>
+                  <a:ext uri="{FF2B5EF4-FFF2-40B4-BE49-F238E27FC236}">
+                    <a16:creationId xmlns:a16="http://schemas.microsoft.com/office/drawing/2014/main" id="{8B4636D1-7EAB-9BB1-6905-37389252BD86}"/>
+                  </a:ext>
+                </a:extLst>
+              </p:cNvPr>
+              <p:cNvSpPr txBox="1"/>
+              <p:nvPr/>
+            </p:nvSpPr>
+            <p:spPr>
+              <a:xfrm>
+                <a:off x="4037743" y="4541177"/>
+                <a:ext cx="842481" cy="657744"/>
+              </a:xfrm>
+              <a:prstGeom prst="rect">
+                <a:avLst/>
+              </a:prstGeom>
+              <a:solidFill>
+                <a:schemeClr val="bg1"/>
+              </a:solidFill>
+            </p:spPr>
+            <p:txBody>
+              <a:bodyPr wrap="square" rtlCol="0">
+                <a:spAutoFit/>
+              </a:bodyPr>
+              <a:lstStyle/>
+              <a:p>
+                <a14:m>
+                  <m:oMathPara xmlns:m="http://schemas.openxmlformats.org/officeDocument/2006/math">
+                    <m:oMathParaPr>
+                      <m:jc m:val="centerGroup"/>
+                    </m:oMathParaPr>
+                    <m:oMath xmlns:m="http://schemas.openxmlformats.org/officeDocument/2006/math">
+                      <m:sSub>
+                        <m:sSubPr>
+                          <m:ctrlPr>
+                            <a:rPr lang="fr-FR" sz="3000" b="0" i="1" smtClean="0">
+                              <a:latin typeface="Cambria Math" panose="02040503050406030204" pitchFamily="18" charset="0"/>
+                            </a:rPr>
+                          </m:ctrlPr>
+                        </m:sSubPr>
+                        <m:e>
+                          <m:acc>
+                            <m:accPr>
+                              <m:chr m:val="⃗"/>
+                              <m:ctrlPr>
+                                <a:rPr lang="fr-FR" sz="3000" b="0" i="1" smtClean="0">
+                                  <a:latin typeface="Cambria Math" panose="02040503050406030204" pitchFamily="18" charset="0"/>
+                                </a:rPr>
+                              </m:ctrlPr>
+                            </m:accPr>
+                            <m:e>
+                              <m:r>
+                                <a:rPr lang="fr-FR" sz="3000" b="0" i="1" smtClean="0">
+                                  <a:latin typeface="Cambria Math" panose="02040503050406030204" pitchFamily="18" charset="0"/>
+                                </a:rPr>
+                                <m:t>𝐹</m:t>
+                              </m:r>
+                            </m:e>
+                          </m:acc>
+                        </m:e>
+                        <m:sub>
+                          <m:r>
+                            <a:rPr lang="fr-FR" sz="3000" b="0" i="1" smtClean="0">
+                              <a:latin typeface="Cambria Math" panose="02040503050406030204" pitchFamily="18" charset="0"/>
+                            </a:rPr>
+                            <m:t>𝑓𝑟𝑜𝑡𝑡𝑒𝑚𝑒𝑛𝑡</m:t>
+                          </m:r>
+                        </m:sub>
+                      </m:sSub>
+                    </m:oMath>
+                  </m:oMathPara>
+                </a14:m>
+                <a:endParaRPr lang="fr-FR" sz="3000" dirty="0"/>
+              </a:p>
+            </p:txBody>
+          </p:sp>
+        </mc:Choice>
+        <mc:Fallback>
+          <p:sp>
+            <p:nvSpPr>
+              <p:cNvPr id="4" name="ZoneTexte 3">
+                <a:extLst>
+                  <a:ext uri="{FF2B5EF4-FFF2-40B4-BE49-F238E27FC236}">
+                    <a16:creationId xmlns:a16="http://schemas.microsoft.com/office/drawing/2014/main" id="{8B4636D1-7EAB-9BB1-6905-37389252BD86}"/>
+                  </a:ext>
+                </a:extLst>
+              </p:cNvPr>
+              <p:cNvSpPr txBox="1">
+                <a:spLocks noRot="1" noChangeAspect="1" noMove="1" noResize="1" noEditPoints="1" noAdjustHandles="1" noChangeArrowheads="1" noChangeShapeType="1" noTextEdit="1"/>
+              </p:cNvSpPr>
+              <p:nvPr/>
+            </p:nvSpPr>
+            <p:spPr>
+              <a:xfrm>
+                <a:off x="4037743" y="4541177"/>
+                <a:ext cx="842481" cy="657744"/>
+              </a:xfrm>
+              <a:prstGeom prst="rect">
+                <a:avLst/>
+              </a:prstGeom>
+              <a:blipFill>
+                <a:blip r:embed="rId3"/>
+                <a:stretch>
+                  <a:fillRect r="-118705"/>
+                </a:stretch>
+              </a:blipFill>
+            </p:spPr>
+            <p:txBody>
+              <a:bodyPr/>
+              <a:lstStyle/>
+              <a:p>
+                <a:r>
+                  <a:rPr lang="fr-FR">
+                    <a:noFill/>
+                  </a:rPr>
+                  <a:t> </a:t>
+                </a:r>
+              </a:p>
+            </p:txBody>
+          </p:sp>
+        </mc:Fallback>
+      </mc:AlternateContent>
+      <p:sp>
+        <p:nvSpPr>
+          <p:cNvPr id="5" name="ZoneTexte 4">
+            <a:extLst>
+              <a:ext uri="{FF2B5EF4-FFF2-40B4-BE49-F238E27FC236}">
+                <a16:creationId xmlns:a16="http://schemas.microsoft.com/office/drawing/2014/main" id="{A615FDC7-9B0C-EE35-34A9-A35F10307B46}"/>
+              </a:ext>
+            </a:extLst>
+          </p:cNvPr>
+          <p:cNvSpPr txBox="1"/>
+          <p:nvPr/>
+        </p:nvSpPr>
+        <p:spPr>
+          <a:xfrm>
+            <a:off x="1436668" y="725122"/>
+            <a:ext cx="842481" cy="553998"/>
+          </a:xfrm>
+          <a:prstGeom prst="rect">
+            <a:avLst/>
+          </a:prstGeom>
+          <a:solidFill>
+            <a:schemeClr val="bg1"/>
+          </a:solidFill>
+        </p:spPr>
+        <p:txBody>
+          <a:bodyPr wrap="square" rtlCol="0">
+            <a:spAutoFit/>
+          </a:bodyPr>
+          <a:lstStyle/>
+          <a:p>
+            <a:endParaRPr lang="fr-FR" sz="3000" dirty="0"/>
+          </a:p>
+        </p:txBody>
+      </p:sp>
+    </p:spTree>
+    <p:extLst>
+      <p:ext uri="{BB962C8B-B14F-4D97-AF65-F5344CB8AC3E}">
+        <p14:creationId xmlns:p14="http://schemas.microsoft.com/office/powerpoint/2010/main" val="3768570121"/>
       </p:ext>
     </p:extLst>
   </p:cSld>
